--- a/assets/icon/icon.pptx
+++ b/assets/icon/icon.pptx
@@ -4080,31 +4080,26 @@
               <a:gsLst>
                 <a:gs pos="0">
                   <a:schemeClr val="accent1">
-                    <a:lumMod val="5000"/>
-                    <a:lumOff val="95000"/>
+                    <a:lumMod val="0"/>
+                    <a:lumOff val="100000"/>
                   </a:schemeClr>
                 </a:gs>
-                <a:gs pos="74000">
+                <a:gs pos="35000">
                   <a:schemeClr val="accent1">
-                    <a:lumMod val="45000"/>
-                    <a:lumOff val="55000"/>
-                  </a:schemeClr>
-                </a:gs>
-                <a:gs pos="83000">
-                  <a:schemeClr val="accent1">
-                    <a:lumMod val="45000"/>
-                    <a:lumOff val="55000"/>
+                    <a:lumMod val="0"/>
+                    <a:lumOff val="100000"/>
                   </a:schemeClr>
                 </a:gs>
                 <a:gs pos="100000">
                   <a:schemeClr val="accent1">
-                    <a:lumMod val="30000"/>
-                    <a:lumOff val="70000"/>
+                    <a:lumMod val="100000"/>
                   </a:schemeClr>
                 </a:gs>
               </a:gsLst>
-              <a:lin ang="5400000" scaled="1"/>
-              <a:tileRect/>
+              <a:path path="circle">
+                <a:fillToRect l="100000" t="100000"/>
+              </a:path>
+              <a:tileRect r="-100000" b="-100000"/>
             </a:gradFill>
           </a:ln>
           <a:effectLst/>
@@ -4146,36 +4141,31 @@
           <a:prstGeom prst="line">
             <a:avLst/>
           </a:prstGeom>
-          <a:ln w="1143000">
+          <a:ln w="1143000" cap="flat" cmpd="sng">
             <a:gradFill flip="none" rotWithShape="1">
               <a:gsLst>
                 <a:gs pos="0">
                   <a:schemeClr val="accent1">
-                    <a:lumMod val="5000"/>
-                    <a:lumOff val="95000"/>
+                    <a:lumMod val="0"/>
+                    <a:lumOff val="100000"/>
                   </a:schemeClr>
                 </a:gs>
-                <a:gs pos="74000">
+                <a:gs pos="35000">
                   <a:schemeClr val="accent1">
-                    <a:lumMod val="45000"/>
-                    <a:lumOff val="55000"/>
-                  </a:schemeClr>
-                </a:gs>
-                <a:gs pos="83000">
-                  <a:schemeClr val="accent1">
-                    <a:lumMod val="45000"/>
-                    <a:lumOff val="55000"/>
+                    <a:lumMod val="0"/>
+                    <a:lumOff val="100000"/>
                   </a:schemeClr>
                 </a:gs>
                 <a:gs pos="100000">
                   <a:schemeClr val="accent1">
-                    <a:lumMod val="30000"/>
-                    <a:lumOff val="70000"/>
+                    <a:lumMod val="100000"/>
                   </a:schemeClr>
                 </a:gs>
               </a:gsLst>
-              <a:lin ang="16200000" scaled="0"/>
-              <a:tileRect/>
+              <a:path path="circle">
+                <a:fillToRect r="100000" b="100000"/>
+              </a:path>
+              <a:tileRect l="-100000" t="-100000"/>
             </a:gradFill>
           </a:ln>
           <a:effectLst/>
